--- a/04_PandaLibrary.pptx
+++ b/04_PandaLibrary.pptx
@@ -3682,7 +3682,7 @@
         <p:spPr>
           <a:xfrm>
             <a:off x="467544" y="1268759"/>
-            <a:ext cx="8352928" cy="2448273"/>
+            <a:ext cx="8352928" cy="2736305"/>
           </a:xfrm>
           <a:ln>
             <a:solidFill>
@@ -3744,7 +3744,25 @@
                   <a:schemeClr val="tx1"/>
                 </a:solidFill>
               </a:rPr>
-              <a:t> used for high-performance data manipulation and data analysis using its powerful data structures. </a:t>
+              <a:t> used for high-performance data manipulation and data analysis using its powerful data structures.</a:t>
+            </a:r>
+          </a:p>
+          <a:p>
+            <a:pPr marL="342900" indent="-342900" algn="l">
+              <a:buClr>
+                <a:srgbClr val="0070C0"/>
+              </a:buClr>
+              <a:buSzPct val="80000"/>
+              <a:buFont typeface="Wingdings" pitchFamily="2" charset="2"/>
+              <a:buChar char="u"/>
+            </a:pPr>
+            <a:r>
+              <a:rPr lang="en-US" sz="1800" b="1" dirty="0">
+                <a:solidFill>
+                  <a:srgbClr val="FF0000"/>
+                </a:solidFill>
+              </a:rPr>
+              <a:t>Library is a collection of Packages.</a:t>
             </a:r>
           </a:p>
           <a:p>
